--- a/beer_id_presentation.pptx
+++ b/beer_id_presentation.pptx
@@ -113,6 +113,11 @@
       </a:defRPr>
     </a:lvl9pPr>
   </p:defaultTextStyle>
+  <p:extLst>
+    <p:ext uri="{EFAFB233-063F-42B5-8137-9DF3F51BA10A}">
+      <p15:sldGuideLst xmlns:p15="http://schemas.microsoft.com/office/powerpoint/2012/main"/>
+    </p:ext>
+  </p:extLst>
 </p:presentation>
 </file>
 
@@ -710,10 +715,9 @@
           </a:lstStyle>
           <a:p>
             <a:r>
-              <a:rPr lang="en-US"/>
+              <a:rPr lang="en-US" dirty="0"/>
               <a:t>Click icon to add picture</a:t>
             </a:r>
-            <a:endParaRPr lang="en-US" dirty="0"/>
           </a:p>
         </p:txBody>
       </p:sp>
@@ -3152,10 +3156,9 @@
           </a:lstStyle>
           <a:p>
             <a:r>
-              <a:rPr lang="en-US"/>
+              <a:rPr lang="en-US" dirty="0"/>
               <a:t>Click icon to add picture</a:t>
             </a:r>
-            <a:endParaRPr lang="en-US" dirty="0"/>
           </a:p>
         </p:txBody>
       </p:sp>
@@ -3369,10 +3372,9 @@
           </a:lstStyle>
           <a:p>
             <a:r>
-              <a:rPr lang="en-US"/>
+              <a:rPr lang="en-US" dirty="0"/>
               <a:t>Click icon to add picture</a:t>
             </a:r>
-            <a:endParaRPr lang="en-US" dirty="0"/>
           </a:p>
         </p:txBody>
       </p:sp>
@@ -3586,10 +3588,9 @@
           </a:lstStyle>
           <a:p>
             <a:r>
-              <a:rPr lang="en-US"/>
+              <a:rPr lang="en-US" dirty="0"/>
               <a:t>Click icon to add picture</a:t>
             </a:r>
-            <a:endParaRPr lang="en-US" dirty="0"/>
           </a:p>
         </p:txBody>
       </p:sp>
@@ -6929,10 +6930,9 @@
           </a:lstStyle>
           <a:p>
             <a:r>
-              <a:rPr lang="en-US"/>
+              <a:rPr lang="en-US" dirty="0"/>
               <a:t>Click icon to add picture</a:t>
             </a:r>
-            <a:endParaRPr lang="en-US" dirty="0"/>
           </a:p>
         </p:txBody>
       </p:sp>
@@ -7860,7 +7860,7 @@
           <a:p>
             <a:r>
               <a:rPr lang="en-US" dirty="0"/>
-              <a:t>Just sign in and use this application as a one stop shop to find all the information for your favorite beers.</a:t>
+              <a:t>Just sign in and use this application to find all the information for your favorite beers.</a:t>
             </a:r>
           </a:p>
           <a:p>
@@ -8107,23 +8107,7 @@
           <a:p>
             <a:r>
               <a:rPr lang="en-US" dirty="0"/>
-              <a:t>Used </a:t>
-            </a:r>
-            <a:r>
-              <a:rPr lang="en-US" dirty="0" err="1"/>
-              <a:t>JavasSript</a:t>
-            </a:r>
-            <a:r>
-              <a:rPr lang="en-US" dirty="0"/>
-              <a:t> and </a:t>
-            </a:r>
-            <a:r>
-              <a:rPr lang="en-US" dirty="0" err="1"/>
-              <a:t>JQuery</a:t>
-            </a:r>
-            <a:r>
-              <a:rPr lang="en-US" dirty="0"/>
-              <a:t>  for interactivity and dynamically created content</a:t>
+              <a:t>Used JavaScript and jQuery  for interactivity and dynamically created content</a:t>
             </a:r>
           </a:p>
           <a:p>
@@ -8218,10 +8202,9 @@
           <a:lstStyle/>
           <a:p>
             <a:r>
-              <a:rPr lang="en-US" dirty="0" err="1"/>
-              <a:t>BreweryDB</a:t>
-            </a:r>
-            <a:endParaRPr lang="en-US" dirty="0"/>
+              <a:rPr lang="en-US" dirty="0"/>
+              <a:t>Brewery DB</a:t>
+            </a:r>
           </a:p>
           <a:p>
             <a:pPr lvl="1"/>
@@ -8290,10 +8273,9 @@
               <a:buChar char="•"/>
             </a:pPr>
             <a:r>
-              <a:rPr lang="en-US" sz="2400" dirty="0" err="1"/>
+              <a:rPr lang="en-US" sz="2400" dirty="0"/>
               <a:t>NutritionX</a:t>
             </a:r>
-            <a:endParaRPr lang="en-US" sz="2400" dirty="0"/>
           </a:p>
           <a:p>
             <a:pPr marL="742950" lvl="1" indent="-285750">
@@ -8312,15 +8294,7 @@
             </a:pPr>
             <a:r>
               <a:rPr lang="en-US" sz="2000" dirty="0"/>
-              <a:t>Take the beer name “value” and input it into the search query of the </a:t>
-            </a:r>
-            <a:r>
-              <a:rPr lang="en-US" sz="2000" dirty="0" err="1"/>
-              <a:t>NutritionX</a:t>
-            </a:r>
-            <a:r>
-              <a:rPr lang="en-US" sz="2000" dirty="0"/>
-              <a:t> API to return an id# with basic nutritional information (calories)</a:t>
+              <a:t>Take the beer name “value” and input it into the search query of the NutritionX API to return an id# with basic nutritional information (calories)</a:t>
             </a:r>
           </a:p>
           <a:p>
@@ -8627,13 +8601,8 @@
           <a:p>
             <a:r>
               <a:rPr lang="en-US" dirty="0"/>
-              <a:t>Modal for search </a:t>
-            </a:r>
-            <a:r>
-              <a:rPr lang="en-US"/>
-              <a:t>query errors</a:t>
-            </a:r>
-            <a:endParaRPr lang="en-US" dirty="0"/>
+              <a:t>Modal for search query errors</a:t>
+            </a:r>
           </a:p>
         </p:txBody>
       </p:sp>
@@ -8822,15 +8791,7 @@
           <a:p>
             <a:r>
               <a:rPr lang="en-US" dirty="0"/>
-              <a:t>Barcode </a:t>
-            </a:r>
-            <a:r>
-              <a:rPr lang="en-US" dirty="0" err="1"/>
-              <a:t>scannability</a:t>
-            </a:r>
-            <a:r>
-              <a:rPr lang="en-US" dirty="0"/>
-              <a:t> on mobile</a:t>
+              <a:t>Add barcode scanning functionality to mobile</a:t>
             </a:r>
           </a:p>
         </p:txBody>
